--- a/12조_스승의은혜(조성운, 이주호, 김건, 정민지).pptx
+++ b/12조_스승의은혜(조성운, 이주호, 김건, 정민지).pptx
@@ -3834,7 +3834,7 @@
         </p:nvSpPr>
         <p:spPr>
           <a:xfrm>
-            <a:off x="0" y="0"/>
+            <a:off x="0" y="1786"/>
             <a:ext cx="9144000" cy="6858000"/>
           </a:xfrm>
           <a:prstGeom prst="rect">
@@ -3925,7 +3925,7 @@
         </p:nvSpPr>
         <p:spPr>
           <a:xfrm>
-            <a:off x="1115616" y="2924944"/>
+            <a:off x="1013766" y="2959836"/>
             <a:ext cx="1152128" cy="1200329"/>
           </a:xfrm>
           <a:prstGeom prst="rect">
@@ -3970,7 +3970,7 @@
         </p:nvSpPr>
         <p:spPr>
           <a:xfrm>
-            <a:off x="3131960" y="2924944"/>
+            <a:off x="3071288" y="2977327"/>
             <a:ext cx="1152128" cy="1200329"/>
           </a:xfrm>
           <a:prstGeom prst="rect">
@@ -4015,7 +4015,7 @@
         </p:nvSpPr>
         <p:spPr>
           <a:xfrm>
-            <a:off x="5076176" y="2924944"/>
+            <a:off x="4981876" y="2946346"/>
             <a:ext cx="1152128" cy="1200329"/>
           </a:xfrm>
           <a:prstGeom prst="rect">
@@ -4033,14 +4033,43 @@
           <a:lstStyle/>
           <a:p>
             <a:r>
-              <a:rPr lang="ko-KR" altLang="en-US" sz="3600" dirty="0" smtClean="0">
+              <a:rPr lang="en-US" altLang="ko-KR" sz="3600" smtClean="0">
                 <a:solidFill>
                   <a:schemeClr val="bg1"/>
                 </a:solidFill>
                 <a:latin typeface="배달의민족 한나" pitchFamily="2" charset="-127"/>
                 <a:ea typeface="배달의민족 한나" pitchFamily="2" charset="-127"/>
               </a:rPr>
-              <a:t>웹시연</a:t>
+              <a:t>  </a:t>
+            </a:r>
+            <a:r>
+              <a:rPr lang="ko-KR" altLang="en-US" sz="3600" dirty="0" smtClean="0">
+                <a:solidFill>
+                  <a:schemeClr val="bg1"/>
+                </a:solidFill>
+                <a:latin typeface="배달의민족 한나" pitchFamily="2" charset="-127"/>
+                <a:ea typeface="배달의민족 한나" pitchFamily="2" charset="-127"/>
+              </a:rPr>
+              <a:t>웹</a:t>
+            </a:r>
+            <a:endParaRPr lang="en-US" altLang="ko-KR" sz="3600" dirty="0" smtClean="0">
+              <a:solidFill>
+                <a:schemeClr val="bg1"/>
+              </a:solidFill>
+              <a:latin typeface="배달의민족 한나" pitchFamily="2" charset="-127"/>
+              <a:ea typeface="배달의민족 한나" pitchFamily="2" charset="-127"/>
+            </a:endParaRPr>
+          </a:p>
+          <a:p>
+            <a:r>
+              <a:rPr lang="ko-KR" altLang="en-US" sz="3600" dirty="0" smtClean="0">
+                <a:solidFill>
+                  <a:schemeClr val="bg1"/>
+                </a:solidFill>
+                <a:latin typeface="배달의민족 한나" pitchFamily="2" charset="-127"/>
+                <a:ea typeface="배달의민족 한나" pitchFamily="2" charset="-127"/>
+              </a:rPr>
+              <a:t>시연</a:t>
             </a:r>
             <a:endParaRPr lang="ko-KR" altLang="en-US" sz="3600" dirty="0" smtClean="0">
               <a:solidFill>
@@ -4060,7 +4089,7 @@
         </p:nvSpPr>
         <p:spPr>
           <a:xfrm>
-            <a:off x="6948264" y="2924944"/>
+            <a:off x="6859052" y="2947336"/>
             <a:ext cx="1152128" cy="1200329"/>
           </a:xfrm>
           <a:prstGeom prst="rect">
